--- a/docs/diagrams/StorageComponentClassDiagram.pptx
+++ b/docs/diagrams/StorageComponentClassDiagram.pptx
@@ -107,6 +107,22 @@
       </a:defRPr>
     </a:lvl9pPr>
   </p:defaultTextStyle>
+  <p:extLst>
+    <p:ext uri="{EFAFB233-063F-42B5-8137-9DF3F51BA10A}">
+      <p15:sldGuideLst xmlns:p15="http://schemas.microsoft.com/office/powerpoint/2012/main">
+        <p15:guide id="1" orient="horz" pos="1488">
+          <p15:clr>
+            <a:srgbClr val="A4A3A4"/>
+          </p15:clr>
+        </p15:guide>
+        <p15:guide id="2" pos="2880">
+          <p15:clr>
+            <a:srgbClr val="A4A3A4"/>
+          </p15:clr>
+        </p15:guide>
+      </p15:sldGuideLst>
+    </p:ext>
+  </p:extLst>
 </p:presentation>
 </file>
 
@@ -192,7 +208,7 @@
           <a:p>
             <a:fld id="{F5CC4B3F-88C1-4FFA-B1B6-F41C21DC6924}" type="datetimeFigureOut">
               <a:rPr lang="en-US" smtClean="0"/>
-              <a:t>10/16/2016</a:t>
+              <a:t>3/20/2018</a:t>
             </a:fld>
             <a:endParaRPr lang="en-US"/>
           </a:p>
@@ -256,38 +272,37 @@
           <a:p>
             <a:pPr lvl="0"/>
             <a:r>
-              <a:rPr lang="en-US" smtClean="0"/>
+              <a:rPr lang="en-US"/>
               <a:t>Click to edit Master text styles</a:t>
             </a:r>
           </a:p>
           <a:p>
             <a:pPr lvl="1"/>
             <a:r>
-              <a:rPr lang="en-US" smtClean="0"/>
+              <a:rPr lang="en-US"/>
               <a:t>Second level</a:t>
             </a:r>
           </a:p>
           <a:p>
             <a:pPr lvl="2"/>
             <a:r>
-              <a:rPr lang="en-US" smtClean="0"/>
+              <a:rPr lang="en-US"/>
               <a:t>Third level</a:t>
             </a:r>
           </a:p>
           <a:p>
             <a:pPr lvl="3"/>
             <a:r>
-              <a:rPr lang="en-US" smtClean="0"/>
+              <a:rPr lang="en-US"/>
               <a:t>Fourth level</a:t>
             </a:r>
           </a:p>
           <a:p>
             <a:pPr lvl="4"/>
             <a:r>
-              <a:rPr lang="en-US" smtClean="0"/>
+              <a:rPr lang="en-US"/>
               <a:t>Fifth level</a:t>
             </a:r>
-            <a:endParaRPr lang="en-US"/>
           </a:p>
         </p:txBody>
       </p:sp>
@@ -498,10 +513,9 @@
           <a:lstStyle/>
           <a:p>
             <a:r>
-              <a:rPr lang="en-US" smtClean="0"/>
+              <a:rPr lang="en-US"/>
               <a:t>Click to edit Master title style</a:t>
             </a:r>
-            <a:endParaRPr lang="en-US"/>
           </a:p>
         </p:txBody>
       </p:sp>
@@ -617,10 +631,9 @@
           </a:lstStyle>
           <a:p>
             <a:r>
-              <a:rPr lang="en-US" smtClean="0"/>
+              <a:rPr lang="en-US"/>
               <a:t>Click to edit Master subtitle style</a:t>
             </a:r>
-            <a:endParaRPr lang="en-US"/>
           </a:p>
         </p:txBody>
       </p:sp>
@@ -641,7 +654,7 @@
           <a:p>
             <a:fld id="{78C97017-6FC3-485B-9764-EAC9E56C1D49}" type="datetimeFigureOut">
               <a:rPr lang="en-US" smtClean="0"/>
-              <a:t>10/16/2016</a:t>
+              <a:t>3/20/2018</a:t>
             </a:fld>
             <a:endParaRPr lang="en-US"/>
           </a:p>
@@ -735,10 +748,9 @@
           <a:lstStyle/>
           <a:p>
             <a:r>
-              <a:rPr lang="en-US" smtClean="0"/>
+              <a:rPr lang="en-US"/>
               <a:t>Click to edit Master title style</a:t>
             </a:r>
-            <a:endParaRPr lang="en-US"/>
           </a:p>
         </p:txBody>
       </p:sp>
@@ -759,38 +771,37 @@
           <a:p>
             <a:pPr lvl="0"/>
             <a:r>
-              <a:rPr lang="en-US" smtClean="0"/>
+              <a:rPr lang="en-US"/>
               <a:t>Click to edit Master text styles</a:t>
             </a:r>
           </a:p>
           <a:p>
             <a:pPr lvl="1"/>
             <a:r>
-              <a:rPr lang="en-US" smtClean="0"/>
+              <a:rPr lang="en-US"/>
               <a:t>Second level</a:t>
             </a:r>
           </a:p>
           <a:p>
             <a:pPr lvl="2"/>
             <a:r>
-              <a:rPr lang="en-US" smtClean="0"/>
+              <a:rPr lang="en-US"/>
               <a:t>Third level</a:t>
             </a:r>
           </a:p>
           <a:p>
             <a:pPr lvl="3"/>
             <a:r>
-              <a:rPr lang="en-US" smtClean="0"/>
+              <a:rPr lang="en-US"/>
               <a:t>Fourth level</a:t>
             </a:r>
           </a:p>
           <a:p>
             <a:pPr lvl="4"/>
             <a:r>
-              <a:rPr lang="en-US" smtClean="0"/>
+              <a:rPr lang="en-US"/>
               <a:t>Fifth level</a:t>
             </a:r>
-            <a:endParaRPr lang="en-US"/>
           </a:p>
         </p:txBody>
       </p:sp>
@@ -811,7 +822,7 @@
           <a:p>
             <a:fld id="{78C97017-6FC3-485B-9764-EAC9E56C1D49}" type="datetimeFigureOut">
               <a:rPr lang="en-US" smtClean="0"/>
-              <a:t>10/16/2016</a:t>
+              <a:t>3/20/2018</a:t>
             </a:fld>
             <a:endParaRPr lang="en-US"/>
           </a:p>
@@ -910,10 +921,9 @@
           <a:lstStyle/>
           <a:p>
             <a:r>
-              <a:rPr lang="en-US" smtClean="0"/>
+              <a:rPr lang="en-US"/>
               <a:t>Click to edit Master title style</a:t>
             </a:r>
-            <a:endParaRPr lang="en-US"/>
           </a:p>
         </p:txBody>
       </p:sp>
@@ -939,38 +949,37 @@
           <a:p>
             <a:pPr lvl="0"/>
             <a:r>
-              <a:rPr lang="en-US" smtClean="0"/>
+              <a:rPr lang="en-US"/>
               <a:t>Click to edit Master text styles</a:t>
             </a:r>
           </a:p>
           <a:p>
             <a:pPr lvl="1"/>
             <a:r>
-              <a:rPr lang="en-US" smtClean="0"/>
+              <a:rPr lang="en-US"/>
               <a:t>Second level</a:t>
             </a:r>
           </a:p>
           <a:p>
             <a:pPr lvl="2"/>
             <a:r>
-              <a:rPr lang="en-US" smtClean="0"/>
+              <a:rPr lang="en-US"/>
               <a:t>Third level</a:t>
             </a:r>
           </a:p>
           <a:p>
             <a:pPr lvl="3"/>
             <a:r>
-              <a:rPr lang="en-US" smtClean="0"/>
+              <a:rPr lang="en-US"/>
               <a:t>Fourth level</a:t>
             </a:r>
           </a:p>
           <a:p>
             <a:pPr lvl="4"/>
             <a:r>
-              <a:rPr lang="en-US" smtClean="0"/>
+              <a:rPr lang="en-US"/>
               <a:t>Fifth level</a:t>
             </a:r>
-            <a:endParaRPr lang="en-US"/>
           </a:p>
         </p:txBody>
       </p:sp>
@@ -991,7 +1000,7 @@
           <a:p>
             <a:fld id="{78C97017-6FC3-485B-9764-EAC9E56C1D49}" type="datetimeFigureOut">
               <a:rPr lang="en-US" smtClean="0"/>
-              <a:t>10/16/2016</a:t>
+              <a:t>3/20/2018</a:t>
             </a:fld>
             <a:endParaRPr lang="en-US"/>
           </a:p>
@@ -1085,10 +1094,9 @@
           <a:lstStyle/>
           <a:p>
             <a:r>
-              <a:rPr lang="en-US" smtClean="0"/>
+              <a:rPr lang="en-US"/>
               <a:t>Click to edit Master title style</a:t>
             </a:r>
-            <a:endParaRPr lang="en-US"/>
           </a:p>
         </p:txBody>
       </p:sp>
@@ -1109,38 +1117,37 @@
           <a:p>
             <a:pPr lvl="0"/>
             <a:r>
-              <a:rPr lang="en-US" smtClean="0"/>
+              <a:rPr lang="en-US"/>
               <a:t>Click to edit Master text styles</a:t>
             </a:r>
           </a:p>
           <a:p>
             <a:pPr lvl="1"/>
             <a:r>
-              <a:rPr lang="en-US" smtClean="0"/>
+              <a:rPr lang="en-US"/>
               <a:t>Second level</a:t>
             </a:r>
           </a:p>
           <a:p>
             <a:pPr lvl="2"/>
             <a:r>
-              <a:rPr lang="en-US" smtClean="0"/>
+              <a:rPr lang="en-US"/>
               <a:t>Third level</a:t>
             </a:r>
           </a:p>
           <a:p>
             <a:pPr lvl="3"/>
             <a:r>
-              <a:rPr lang="en-US" smtClean="0"/>
+              <a:rPr lang="en-US"/>
               <a:t>Fourth level</a:t>
             </a:r>
           </a:p>
           <a:p>
             <a:pPr lvl="4"/>
             <a:r>
-              <a:rPr lang="en-US" smtClean="0"/>
+              <a:rPr lang="en-US"/>
               <a:t>Fifth level</a:t>
             </a:r>
-            <a:endParaRPr lang="en-US"/>
           </a:p>
         </p:txBody>
       </p:sp>
@@ -1161,7 +1168,7 @@
           <a:p>
             <a:fld id="{78C97017-6FC3-485B-9764-EAC9E56C1D49}" type="datetimeFigureOut">
               <a:rPr lang="en-US" smtClean="0"/>
-              <a:t>10/16/2016</a:t>
+              <a:t>3/20/2018</a:t>
             </a:fld>
             <a:endParaRPr lang="en-US"/>
           </a:p>
@@ -1264,10 +1271,9 @@
           </a:lstStyle>
           <a:p>
             <a:r>
-              <a:rPr lang="en-US" smtClean="0"/>
+              <a:rPr lang="en-US"/>
               <a:t>Click to edit Master title style</a:t>
             </a:r>
-            <a:endParaRPr lang="en-US"/>
           </a:p>
         </p:txBody>
       </p:sp>
@@ -1384,7 +1390,7 @@
           <a:p>
             <a:pPr lvl="0"/>
             <a:r>
-              <a:rPr lang="en-US" smtClean="0"/>
+              <a:rPr lang="en-US"/>
               <a:t>Click to edit Master text styles</a:t>
             </a:r>
           </a:p>
@@ -1407,7 +1413,7 @@
           <a:p>
             <a:fld id="{78C97017-6FC3-485B-9764-EAC9E56C1D49}" type="datetimeFigureOut">
               <a:rPr lang="en-US" smtClean="0"/>
-              <a:t>10/16/2016</a:t>
+              <a:t>3/20/2018</a:t>
             </a:fld>
             <a:endParaRPr lang="en-US"/>
           </a:p>
@@ -1501,10 +1507,9 @@
           <a:lstStyle/>
           <a:p>
             <a:r>
-              <a:rPr lang="en-US" smtClean="0"/>
+              <a:rPr lang="en-US"/>
               <a:t>Click to edit Master title style</a:t>
             </a:r>
-            <a:endParaRPr lang="en-US"/>
           </a:p>
         </p:txBody>
       </p:sp>
@@ -1558,38 +1563,37 @@
           <a:p>
             <a:pPr lvl="0"/>
             <a:r>
-              <a:rPr lang="en-US" smtClean="0"/>
+              <a:rPr lang="en-US"/>
               <a:t>Click to edit Master text styles</a:t>
             </a:r>
           </a:p>
           <a:p>
             <a:pPr lvl="1"/>
             <a:r>
-              <a:rPr lang="en-US" smtClean="0"/>
+              <a:rPr lang="en-US"/>
               <a:t>Second level</a:t>
             </a:r>
           </a:p>
           <a:p>
             <a:pPr lvl="2"/>
             <a:r>
-              <a:rPr lang="en-US" smtClean="0"/>
+              <a:rPr lang="en-US"/>
               <a:t>Third level</a:t>
             </a:r>
           </a:p>
           <a:p>
             <a:pPr lvl="3"/>
             <a:r>
-              <a:rPr lang="en-US" smtClean="0"/>
+              <a:rPr lang="en-US"/>
               <a:t>Fourth level</a:t>
             </a:r>
           </a:p>
           <a:p>
             <a:pPr lvl="4"/>
             <a:r>
-              <a:rPr lang="en-US" smtClean="0"/>
+              <a:rPr lang="en-US"/>
               <a:t>Fifth level</a:t>
             </a:r>
-            <a:endParaRPr lang="en-US"/>
           </a:p>
         </p:txBody>
       </p:sp>
@@ -1643,38 +1647,37 @@
           <a:p>
             <a:pPr lvl="0"/>
             <a:r>
-              <a:rPr lang="en-US" smtClean="0"/>
+              <a:rPr lang="en-US"/>
               <a:t>Click to edit Master text styles</a:t>
             </a:r>
           </a:p>
           <a:p>
             <a:pPr lvl="1"/>
             <a:r>
-              <a:rPr lang="en-US" smtClean="0"/>
+              <a:rPr lang="en-US"/>
               <a:t>Second level</a:t>
             </a:r>
           </a:p>
           <a:p>
             <a:pPr lvl="2"/>
             <a:r>
-              <a:rPr lang="en-US" smtClean="0"/>
+              <a:rPr lang="en-US"/>
               <a:t>Third level</a:t>
             </a:r>
           </a:p>
           <a:p>
             <a:pPr lvl="3"/>
             <a:r>
-              <a:rPr lang="en-US" smtClean="0"/>
+              <a:rPr lang="en-US"/>
               <a:t>Fourth level</a:t>
             </a:r>
           </a:p>
           <a:p>
             <a:pPr lvl="4"/>
             <a:r>
-              <a:rPr lang="en-US" smtClean="0"/>
+              <a:rPr lang="en-US"/>
               <a:t>Fifth level</a:t>
             </a:r>
-            <a:endParaRPr lang="en-US"/>
           </a:p>
         </p:txBody>
       </p:sp>
@@ -1695,7 +1698,7 @@
           <a:p>
             <a:fld id="{78C97017-6FC3-485B-9764-EAC9E56C1D49}" type="datetimeFigureOut">
               <a:rPr lang="en-US" smtClean="0"/>
-              <a:t>10/16/2016</a:t>
+              <a:t>3/20/2018</a:t>
             </a:fld>
             <a:endParaRPr lang="en-US"/>
           </a:p>
@@ -1793,10 +1796,9 @@
           </a:lstStyle>
           <a:p>
             <a:r>
-              <a:rPr lang="en-US" smtClean="0"/>
+              <a:rPr lang="en-US"/>
               <a:t>Click to edit Master title style</a:t>
             </a:r>
-            <a:endParaRPr lang="en-US"/>
           </a:p>
         </p:txBody>
       </p:sp>
@@ -1859,7 +1861,7 @@
           <a:p>
             <a:pPr lvl="0"/>
             <a:r>
-              <a:rPr lang="en-US" smtClean="0"/>
+              <a:rPr lang="en-US"/>
               <a:t>Click to edit Master text styles</a:t>
             </a:r>
           </a:p>
@@ -1915,38 +1917,37 @@
           <a:p>
             <a:pPr lvl="0"/>
             <a:r>
-              <a:rPr lang="en-US" smtClean="0"/>
+              <a:rPr lang="en-US"/>
               <a:t>Click to edit Master text styles</a:t>
             </a:r>
           </a:p>
           <a:p>
             <a:pPr lvl="1"/>
             <a:r>
-              <a:rPr lang="en-US" smtClean="0"/>
+              <a:rPr lang="en-US"/>
               <a:t>Second level</a:t>
             </a:r>
           </a:p>
           <a:p>
             <a:pPr lvl="2"/>
             <a:r>
-              <a:rPr lang="en-US" smtClean="0"/>
+              <a:rPr lang="en-US"/>
               <a:t>Third level</a:t>
             </a:r>
           </a:p>
           <a:p>
             <a:pPr lvl="3"/>
             <a:r>
-              <a:rPr lang="en-US" smtClean="0"/>
+              <a:rPr lang="en-US"/>
               <a:t>Fourth level</a:t>
             </a:r>
           </a:p>
           <a:p>
             <a:pPr lvl="4"/>
             <a:r>
-              <a:rPr lang="en-US" smtClean="0"/>
+              <a:rPr lang="en-US"/>
               <a:t>Fifth level</a:t>
             </a:r>
-            <a:endParaRPr lang="en-US"/>
           </a:p>
         </p:txBody>
       </p:sp>
@@ -2009,7 +2010,7 @@
           <a:p>
             <a:pPr lvl="0"/>
             <a:r>
-              <a:rPr lang="en-US" smtClean="0"/>
+              <a:rPr lang="en-US"/>
               <a:t>Click to edit Master text styles</a:t>
             </a:r>
           </a:p>
@@ -2065,38 +2066,37 @@
           <a:p>
             <a:pPr lvl="0"/>
             <a:r>
-              <a:rPr lang="en-US" smtClean="0"/>
+              <a:rPr lang="en-US"/>
               <a:t>Click to edit Master text styles</a:t>
             </a:r>
           </a:p>
           <a:p>
             <a:pPr lvl="1"/>
             <a:r>
-              <a:rPr lang="en-US" smtClean="0"/>
+              <a:rPr lang="en-US"/>
               <a:t>Second level</a:t>
             </a:r>
           </a:p>
           <a:p>
             <a:pPr lvl="2"/>
             <a:r>
-              <a:rPr lang="en-US" smtClean="0"/>
+              <a:rPr lang="en-US"/>
               <a:t>Third level</a:t>
             </a:r>
           </a:p>
           <a:p>
             <a:pPr lvl="3"/>
             <a:r>
-              <a:rPr lang="en-US" smtClean="0"/>
+              <a:rPr lang="en-US"/>
               <a:t>Fourth level</a:t>
             </a:r>
           </a:p>
           <a:p>
             <a:pPr lvl="4"/>
             <a:r>
-              <a:rPr lang="en-US" smtClean="0"/>
+              <a:rPr lang="en-US"/>
               <a:t>Fifth level</a:t>
             </a:r>
-            <a:endParaRPr lang="en-US"/>
           </a:p>
         </p:txBody>
       </p:sp>
@@ -2117,7 +2117,7 @@
           <a:p>
             <a:fld id="{78C97017-6FC3-485B-9764-EAC9E56C1D49}" type="datetimeFigureOut">
               <a:rPr lang="en-US" smtClean="0"/>
-              <a:t>10/16/2016</a:t>
+              <a:t>3/20/2018</a:t>
             </a:fld>
             <a:endParaRPr lang="en-US"/>
           </a:p>
@@ -2211,10 +2211,9 @@
           <a:lstStyle/>
           <a:p>
             <a:r>
-              <a:rPr lang="en-US" smtClean="0"/>
+              <a:rPr lang="en-US"/>
               <a:t>Click to edit Master title style</a:t>
             </a:r>
-            <a:endParaRPr lang="en-US"/>
           </a:p>
         </p:txBody>
       </p:sp>
@@ -2235,7 +2234,7 @@
           <a:p>
             <a:fld id="{78C97017-6FC3-485B-9764-EAC9E56C1D49}" type="datetimeFigureOut">
               <a:rPr lang="en-US" smtClean="0"/>
-              <a:t>10/16/2016</a:t>
+              <a:t>3/20/2018</a:t>
             </a:fld>
             <a:endParaRPr lang="en-US"/>
           </a:p>
@@ -2330,7 +2329,7 @@
           <a:p>
             <a:fld id="{78C97017-6FC3-485B-9764-EAC9E56C1D49}" type="datetimeFigureOut">
               <a:rPr lang="en-US" smtClean="0"/>
-              <a:t>10/16/2016</a:t>
+              <a:t>3/20/2018</a:t>
             </a:fld>
             <a:endParaRPr lang="en-US"/>
           </a:p>
@@ -2433,10 +2432,9 @@
           </a:lstStyle>
           <a:p>
             <a:r>
-              <a:rPr lang="en-US" smtClean="0"/>
+              <a:rPr lang="en-US"/>
               <a:t>Click to edit Master title style</a:t>
             </a:r>
-            <a:endParaRPr lang="en-US"/>
           </a:p>
         </p:txBody>
       </p:sp>
@@ -2490,38 +2488,37 @@
           <a:p>
             <a:pPr lvl="0"/>
             <a:r>
-              <a:rPr lang="en-US" smtClean="0"/>
+              <a:rPr lang="en-US"/>
               <a:t>Click to edit Master text styles</a:t>
             </a:r>
           </a:p>
           <a:p>
             <a:pPr lvl="1"/>
             <a:r>
-              <a:rPr lang="en-US" smtClean="0"/>
+              <a:rPr lang="en-US"/>
               <a:t>Second level</a:t>
             </a:r>
           </a:p>
           <a:p>
             <a:pPr lvl="2"/>
             <a:r>
-              <a:rPr lang="en-US" smtClean="0"/>
+              <a:rPr lang="en-US"/>
               <a:t>Third level</a:t>
             </a:r>
           </a:p>
           <a:p>
             <a:pPr lvl="3"/>
             <a:r>
-              <a:rPr lang="en-US" smtClean="0"/>
+              <a:rPr lang="en-US"/>
               <a:t>Fourth level</a:t>
             </a:r>
           </a:p>
           <a:p>
             <a:pPr lvl="4"/>
             <a:r>
-              <a:rPr lang="en-US" smtClean="0"/>
+              <a:rPr lang="en-US"/>
               <a:t>Fifth level</a:t>
             </a:r>
-            <a:endParaRPr lang="en-US"/>
           </a:p>
         </p:txBody>
       </p:sp>
@@ -2584,7 +2581,7 @@
           <a:p>
             <a:pPr lvl="0"/>
             <a:r>
-              <a:rPr lang="en-US" smtClean="0"/>
+              <a:rPr lang="en-US"/>
               <a:t>Click to edit Master text styles</a:t>
             </a:r>
           </a:p>
@@ -2607,7 +2604,7 @@
           <a:p>
             <a:fld id="{78C97017-6FC3-485B-9764-EAC9E56C1D49}" type="datetimeFigureOut">
               <a:rPr lang="en-US" smtClean="0"/>
-              <a:t>10/16/2016</a:t>
+              <a:t>3/20/2018</a:t>
             </a:fld>
             <a:endParaRPr lang="en-US"/>
           </a:p>
@@ -2710,10 +2707,9 @@
           </a:lstStyle>
           <a:p>
             <a:r>
-              <a:rPr lang="en-US" smtClean="0"/>
+              <a:rPr lang="en-US"/>
               <a:t>Click to edit Master title style</a:t>
             </a:r>
-            <a:endParaRPr lang="en-US"/>
           </a:p>
         </p:txBody>
       </p:sp>
@@ -2837,7 +2833,7 @@
           <a:p>
             <a:pPr lvl="0"/>
             <a:r>
-              <a:rPr lang="en-US" smtClean="0"/>
+              <a:rPr lang="en-US"/>
               <a:t>Click to edit Master text styles</a:t>
             </a:r>
           </a:p>
@@ -2860,7 +2856,7 @@
           <a:p>
             <a:fld id="{78C97017-6FC3-485B-9764-EAC9E56C1D49}" type="datetimeFigureOut">
               <a:rPr lang="en-US" smtClean="0"/>
-              <a:t>10/16/2016</a:t>
+              <a:t>3/20/2018</a:t>
             </a:fld>
             <a:endParaRPr lang="en-US"/>
           </a:p>
@@ -2969,10 +2965,9 @@
           <a:lstStyle/>
           <a:p>
             <a:r>
-              <a:rPr lang="en-US" smtClean="0"/>
+              <a:rPr lang="en-US"/>
               <a:t>Click to edit Master title style</a:t>
             </a:r>
-            <a:endParaRPr lang="en-US"/>
           </a:p>
         </p:txBody>
       </p:sp>
@@ -3003,38 +2998,37 @@
           <a:p>
             <a:pPr lvl="0"/>
             <a:r>
-              <a:rPr lang="en-US" smtClean="0"/>
+              <a:rPr lang="en-US"/>
               <a:t>Click to edit Master text styles</a:t>
             </a:r>
           </a:p>
           <a:p>
             <a:pPr lvl="1"/>
             <a:r>
-              <a:rPr lang="en-US" smtClean="0"/>
+              <a:rPr lang="en-US"/>
               <a:t>Second level</a:t>
             </a:r>
           </a:p>
           <a:p>
             <a:pPr lvl="2"/>
             <a:r>
-              <a:rPr lang="en-US" smtClean="0"/>
+              <a:rPr lang="en-US"/>
               <a:t>Third level</a:t>
             </a:r>
           </a:p>
           <a:p>
             <a:pPr lvl="3"/>
             <a:r>
-              <a:rPr lang="en-US" smtClean="0"/>
+              <a:rPr lang="en-US"/>
               <a:t>Fourth level</a:t>
             </a:r>
           </a:p>
           <a:p>
             <a:pPr lvl="4"/>
             <a:r>
-              <a:rPr lang="en-US" smtClean="0"/>
+              <a:rPr lang="en-US"/>
               <a:t>Fifth level</a:t>
             </a:r>
-            <a:endParaRPr lang="en-US"/>
           </a:p>
         </p:txBody>
       </p:sp>
@@ -3073,7 +3067,7 @@
           <a:p>
             <a:fld id="{78C97017-6FC3-485B-9764-EAC9E56C1D49}" type="datetimeFigureOut">
               <a:rPr lang="en-US" smtClean="0"/>
-              <a:t>10/16/2016</a:t>
+              <a:t>3/20/2018</a:t>
             </a:fld>
             <a:endParaRPr lang="en-US"/>
           </a:p>
@@ -3494,7 +3488,7 @@
           <a:lstStyle/>
           <a:p>
             <a:r>
-              <a:rPr lang="en-US" sz="1200" b="1" dirty="0" smtClean="0">
+              <a:rPr lang="en-US" sz="1200" b="1" dirty="0">
                 <a:solidFill>
                   <a:schemeClr val="accent6">
                     <a:lumMod val="75000"/>
@@ -3561,7 +3555,7 @@
           <a:p>
             <a:pPr algn="ctr"/>
             <a:r>
-              <a:rPr lang="en-US" sz="1050" dirty="0" smtClean="0">
+              <a:rPr lang="en-US" sz="1050" dirty="0">
                 <a:solidFill>
                   <a:schemeClr val="bg1"/>
                 </a:solidFill>
@@ -3569,19 +3563,19 @@
               <a:t>&lt;&lt;interface&gt;&gt;</a:t>
             </a:r>
             <a:br>
-              <a:rPr lang="en-US" sz="1050" dirty="0" smtClean="0">
+              <a:rPr lang="en-US" sz="1050" dirty="0">
                 <a:solidFill>
                   <a:schemeClr val="bg1"/>
                 </a:solidFill>
               </a:rPr>
             </a:br>
             <a:r>
-              <a:rPr lang="en-US" sz="1050" dirty="0" err="1" smtClean="0">
+              <a:rPr lang="en-US" sz="1050" dirty="0" err="1">
                 <a:solidFill>
                   <a:schemeClr val="bg1"/>
                 </a:solidFill>
               </a:rPr>
-              <a:t>AddressBookStorage</a:t>
+              <a:t>EventPlannerStorage</a:t>
             </a:r>
             <a:endParaRPr lang="en-SG" sz="1050" dirty="0">
               <a:solidFill>
@@ -3639,7 +3633,7 @@
           <a:p>
             <a:pPr algn="ctr"/>
             <a:r>
-              <a:rPr lang="en-US" sz="1050" dirty="0" err="1" smtClean="0">
+              <a:rPr lang="en-US" sz="1050" dirty="0" err="1">
                 <a:solidFill>
                   <a:schemeClr val="bg1"/>
                 </a:solidFill>
@@ -3713,7 +3707,7 @@
           <a:p>
             <a:pPr algn="ctr"/>
             <a:r>
-              <a:rPr lang="en-US" sz="1050" dirty="0" smtClean="0">
+              <a:rPr lang="en-US" sz="1050" dirty="0">
                 <a:solidFill>
                   <a:schemeClr val="bg1"/>
                 </a:solidFill>
@@ -4147,27 +4141,17 @@
           <a:p>
             <a:pPr algn="ctr"/>
             <a:r>
-              <a:rPr lang="en-US" sz="1050" b="1" dirty="0" err="1" smtClean="0">
+              <a:rPr lang="en-US" sz="1050" b="1" dirty="0" err="1">
                 <a:solidFill>
                   <a:schemeClr val="accent6">
                     <a:lumMod val="75000"/>
                   </a:schemeClr>
                 </a:solidFill>
               </a:rPr>
-              <a:t>XmlAddressBook</a:t>
-            </a:r>
-            <a:r>
-              <a:rPr lang="en-US" sz="1050" b="1" dirty="0" smtClean="0">
-                <a:solidFill>
-                  <a:schemeClr val="accent6">
-                    <a:lumMod val="75000"/>
-                  </a:schemeClr>
-                </a:solidFill>
-              </a:rPr>
-              <a:t/>
+              <a:t>XmlEventPlanner</a:t>
             </a:r>
             <a:br>
-              <a:rPr lang="en-US" sz="1050" b="1" dirty="0" smtClean="0">
+              <a:rPr lang="en-US" sz="1050" b="1" dirty="0">
                 <a:solidFill>
                   <a:schemeClr val="accent6">
                     <a:lumMod val="75000"/>
@@ -4176,7 +4160,7 @@
               </a:rPr>
             </a:br>
             <a:r>
-              <a:rPr lang="en-US" sz="1050" b="1" dirty="0" smtClean="0">
+              <a:rPr lang="en-US" sz="1050" b="1" dirty="0">
                 <a:solidFill>
                   <a:schemeClr val="accent6">
                     <a:lumMod val="75000"/>
@@ -4243,7 +4227,7 @@
           <a:p>
             <a:pPr algn="ctr"/>
             <a:r>
-              <a:rPr lang="en-US" sz="1050" dirty="0" smtClean="0">
+              <a:rPr lang="en-US" sz="1050" dirty="0">
                 <a:solidFill>
                   <a:schemeClr val="bg1"/>
                 </a:solidFill>
@@ -4251,14 +4235,14 @@
               <a:t>&lt;&lt;interface&gt;&gt;</a:t>
             </a:r>
             <a:br>
-              <a:rPr lang="en-US" sz="1050" dirty="0" smtClean="0">
+              <a:rPr lang="en-US" sz="1050" dirty="0">
                 <a:solidFill>
                   <a:schemeClr val="bg1"/>
                 </a:solidFill>
               </a:rPr>
             </a:br>
             <a:r>
-              <a:rPr lang="en-US" sz="1050" dirty="0" err="1" smtClean="0">
+              <a:rPr lang="en-US" sz="1050" dirty="0" err="1">
                 <a:solidFill>
                   <a:schemeClr val="bg1"/>
                 </a:solidFill>
@@ -4516,30 +4500,22 @@
           <a:p>
             <a:pPr algn="ctr"/>
             <a:r>
-              <a:rPr lang="en-US" sz="1050" dirty="0" err="1" smtClean="0">
+              <a:rPr lang="en-US" sz="1050" dirty="0" err="1">
                 <a:solidFill>
                   <a:schemeClr val="bg1"/>
                 </a:solidFill>
               </a:rPr>
               <a:t>JsonUserPrefs</a:t>
             </a:r>
-            <a:r>
-              <a:rPr lang="en-US" sz="1050" dirty="0" smtClean="0">
-                <a:solidFill>
-                  <a:schemeClr val="bg1"/>
-                </a:solidFill>
-              </a:rPr>
-              <a:t/>
-            </a:r>
             <a:br>
-              <a:rPr lang="en-US" sz="1050" dirty="0" smtClean="0">
+              <a:rPr lang="en-US" sz="1050" dirty="0">
                 <a:solidFill>
                   <a:schemeClr val="bg1"/>
                 </a:solidFill>
               </a:rPr>
             </a:br>
             <a:r>
-              <a:rPr lang="en-US" sz="1050" dirty="0" smtClean="0">
+              <a:rPr lang="en-US" sz="1050" dirty="0">
                 <a:solidFill>
                   <a:schemeClr val="bg1"/>
                 </a:solidFill>
@@ -4591,7 +4567,7 @@
           <a:p>
             <a:pPr algn="ctr"/>
             <a:r>
-              <a:rPr lang="en-US" sz="1050" b="1" dirty="0" err="1" smtClean="0">
+              <a:rPr lang="en-US" sz="1050" b="1" dirty="0" err="1">
                 <a:solidFill>
                   <a:schemeClr val="accent6">
                     <a:lumMod val="75000"/>
@@ -4600,18 +4576,8 @@
               </a:rPr>
               <a:t>XmlSerializable</a:t>
             </a:r>
-            <a:r>
-              <a:rPr lang="en-US" sz="1050" b="1" dirty="0" smtClean="0">
-                <a:solidFill>
-                  <a:schemeClr val="accent6">
-                    <a:lumMod val="75000"/>
-                  </a:schemeClr>
-                </a:solidFill>
-              </a:rPr>
-              <a:t/>
-            </a:r>
             <a:br>
-              <a:rPr lang="en-US" sz="1050" b="1" dirty="0" smtClean="0">
+              <a:rPr lang="en-US" sz="1050" b="1" dirty="0">
                 <a:solidFill>
                   <a:schemeClr val="accent6">
                     <a:lumMod val="75000"/>
@@ -4620,14 +4586,14 @@
               </a:rPr>
             </a:br>
             <a:r>
-              <a:rPr lang="en-US" sz="1050" b="1" dirty="0" err="1" smtClean="0">
+              <a:rPr lang="en-US" sz="1050" b="1" dirty="0" err="1">
                 <a:solidFill>
                   <a:schemeClr val="accent6">
                     <a:lumMod val="75000"/>
                   </a:schemeClr>
                 </a:solidFill>
               </a:rPr>
-              <a:t>AddressBook</a:t>
+              <a:t>EventPlanner</a:t>
             </a:r>
             <a:endParaRPr lang="en-SG" sz="1050" b="1" dirty="0">
               <a:solidFill>
@@ -4717,7 +4683,7 @@
           <a:p>
             <a:pPr algn="ctr"/>
             <a:r>
-              <a:rPr lang="en-US" sz="1050" b="1" dirty="0" err="1" smtClean="0">
+              <a:rPr lang="en-US" sz="1050" b="1" dirty="0" err="1">
                 <a:solidFill>
                   <a:schemeClr val="accent6">
                     <a:lumMod val="75000"/>
@@ -4773,7 +4739,7 @@
           <a:p>
             <a:pPr algn="ctr"/>
             <a:r>
-              <a:rPr lang="en-US" sz="1050" b="1" dirty="0" err="1" smtClean="0">
+              <a:rPr lang="en-US" sz="1050" b="1" dirty="0" err="1">
                 <a:solidFill>
                   <a:schemeClr val="accent6">
                     <a:lumMod val="75000"/>
@@ -4843,13 +4809,6 @@
   <p:clrMapOvr>
     <a:masterClrMapping/>
   </p:clrMapOvr>
-  <p:timing>
-    <p:tnLst>
-      <p:par>
-        <p:cTn id="1" dur="indefinite" restart="never" nodeType="tmRoot"/>
-      </p:par>
-    </p:tnLst>
-  </p:timing>
 </p:sld>
 </file>
 

--- a/docs/diagrams/StorageComponentClassDiagram.pptx
+++ b/docs/diagrams/StorageComponentClassDiagram.pptx
@@ -208,7 +208,7 @@
           <a:p>
             <a:fld id="{F5CC4B3F-88C1-4FFA-B1B6-F41C21DC6924}" type="datetimeFigureOut">
               <a:rPr lang="en-US" smtClean="0"/>
-              <a:t>3/20/2018</a:t>
+              <a:t>4/4/18</a:t>
             </a:fld>
             <a:endParaRPr lang="en-US"/>
           </a:p>
@@ -654,7 +654,7 @@
           <a:p>
             <a:fld id="{78C97017-6FC3-485B-9764-EAC9E56C1D49}" type="datetimeFigureOut">
               <a:rPr lang="en-US" smtClean="0"/>
-              <a:t>3/20/2018</a:t>
+              <a:t>4/4/18</a:t>
             </a:fld>
             <a:endParaRPr lang="en-US"/>
           </a:p>
@@ -822,7 +822,7 @@
           <a:p>
             <a:fld id="{78C97017-6FC3-485B-9764-EAC9E56C1D49}" type="datetimeFigureOut">
               <a:rPr lang="en-US" smtClean="0"/>
-              <a:t>3/20/2018</a:t>
+              <a:t>4/4/18</a:t>
             </a:fld>
             <a:endParaRPr lang="en-US"/>
           </a:p>
@@ -1000,7 +1000,7 @@
           <a:p>
             <a:fld id="{78C97017-6FC3-485B-9764-EAC9E56C1D49}" type="datetimeFigureOut">
               <a:rPr lang="en-US" smtClean="0"/>
-              <a:t>3/20/2018</a:t>
+              <a:t>4/4/18</a:t>
             </a:fld>
             <a:endParaRPr lang="en-US"/>
           </a:p>
@@ -1168,7 +1168,7 @@
           <a:p>
             <a:fld id="{78C97017-6FC3-485B-9764-EAC9E56C1D49}" type="datetimeFigureOut">
               <a:rPr lang="en-US" smtClean="0"/>
-              <a:t>3/20/2018</a:t>
+              <a:t>4/4/18</a:t>
             </a:fld>
             <a:endParaRPr lang="en-US"/>
           </a:p>
@@ -1413,7 +1413,7 @@
           <a:p>
             <a:fld id="{78C97017-6FC3-485B-9764-EAC9E56C1D49}" type="datetimeFigureOut">
               <a:rPr lang="en-US" smtClean="0"/>
-              <a:t>3/20/2018</a:t>
+              <a:t>4/4/18</a:t>
             </a:fld>
             <a:endParaRPr lang="en-US"/>
           </a:p>
@@ -1698,7 +1698,7 @@
           <a:p>
             <a:fld id="{78C97017-6FC3-485B-9764-EAC9E56C1D49}" type="datetimeFigureOut">
               <a:rPr lang="en-US" smtClean="0"/>
-              <a:t>3/20/2018</a:t>
+              <a:t>4/4/18</a:t>
             </a:fld>
             <a:endParaRPr lang="en-US"/>
           </a:p>
@@ -2117,7 +2117,7 @@
           <a:p>
             <a:fld id="{78C97017-6FC3-485B-9764-EAC9E56C1D49}" type="datetimeFigureOut">
               <a:rPr lang="en-US" smtClean="0"/>
-              <a:t>3/20/2018</a:t>
+              <a:t>4/4/18</a:t>
             </a:fld>
             <a:endParaRPr lang="en-US"/>
           </a:p>
@@ -2234,7 +2234,7 @@
           <a:p>
             <a:fld id="{78C97017-6FC3-485B-9764-EAC9E56C1D49}" type="datetimeFigureOut">
               <a:rPr lang="en-US" smtClean="0"/>
-              <a:t>3/20/2018</a:t>
+              <a:t>4/4/18</a:t>
             </a:fld>
             <a:endParaRPr lang="en-US"/>
           </a:p>
@@ -2329,7 +2329,7 @@
           <a:p>
             <a:fld id="{78C97017-6FC3-485B-9764-EAC9E56C1D49}" type="datetimeFigureOut">
               <a:rPr lang="en-US" smtClean="0"/>
-              <a:t>3/20/2018</a:t>
+              <a:t>4/4/18</a:t>
             </a:fld>
             <a:endParaRPr lang="en-US"/>
           </a:p>
@@ -2604,7 +2604,7 @@
           <a:p>
             <a:fld id="{78C97017-6FC3-485B-9764-EAC9E56C1D49}" type="datetimeFigureOut">
               <a:rPr lang="en-US" smtClean="0"/>
-              <a:t>3/20/2018</a:t>
+              <a:t>4/4/18</a:t>
             </a:fld>
             <a:endParaRPr lang="en-US"/>
           </a:p>
@@ -2856,7 +2856,7 @@
           <a:p>
             <a:fld id="{78C97017-6FC3-485B-9764-EAC9E56C1D49}" type="datetimeFigureOut">
               <a:rPr lang="en-US" smtClean="0"/>
-              <a:t>3/20/2018</a:t>
+              <a:t>4/4/18</a:t>
             </a:fld>
             <a:endParaRPr lang="en-US"/>
           </a:p>
@@ -3067,7 +3067,7 @@
           <a:p>
             <a:fld id="{78C97017-6FC3-485B-9764-EAC9E56C1D49}" type="datetimeFigureOut">
               <a:rPr lang="en-US" smtClean="0"/>
-              <a:t>3/20/2018</a:t>
+              <a:t>4/4/18</a:t>
             </a:fld>
             <a:endParaRPr lang="en-US"/>
           </a:p>
@@ -3450,8 +3450,8 @@
         </p:nvSpPr>
         <p:spPr>
           <a:xfrm>
-            <a:off x="1119865" y="2086382"/>
-            <a:ext cx="7871735" cy="1723618"/>
+            <a:off x="402692" y="2136560"/>
+            <a:ext cx="8588908" cy="2664040"/>
           </a:xfrm>
           <a:prstGeom prst="roundRect">
             <a:avLst>
@@ -3515,7 +3515,7 @@
         </p:nvSpPr>
         <p:spPr>
           <a:xfrm>
-            <a:off x="2877180" y="3158440"/>
+            <a:off x="2119489" y="3158440"/>
             <a:ext cx="1323049" cy="346760"/>
           </a:xfrm>
           <a:prstGeom prst="rect">
@@ -3593,7 +3593,7 @@
         </p:nvSpPr>
         <p:spPr>
           <a:xfrm rot="16200000">
-            <a:off x="1683963" y="2868687"/>
+            <a:off x="926272" y="2868687"/>
             <a:ext cx="1093635" cy="346760"/>
           </a:xfrm>
           <a:prstGeom prst="rect">
@@ -3656,7 +3656,7 @@
         </p:nvSpPr>
         <p:spPr>
           <a:xfrm rot="16200000">
-            <a:off x="956202" y="2861202"/>
+            <a:off x="198511" y="2861202"/>
             <a:ext cx="1093635" cy="346760"/>
           </a:xfrm>
           <a:prstGeom prst="rect">
@@ -3730,7 +3730,7 @@
         </p:nvSpPr>
         <p:spPr>
           <a:xfrm rot="16200000">
-            <a:off x="1626910" y="2952291"/>
+            <a:off x="869219" y="2952291"/>
             <a:ext cx="270504" cy="175523"/>
           </a:xfrm>
           <a:prstGeom prst="triangle">
@@ -3788,7 +3788,7 @@
         </p:nvCxnSpPr>
         <p:spPr>
           <a:xfrm>
-            <a:off x="2656370" y="3326536"/>
+            <a:off x="1898679" y="3326536"/>
             <a:ext cx="220810" cy="5284"/>
           </a:xfrm>
           <a:prstGeom prst="straightConnector1">
@@ -3828,7 +3828,7 @@
         </p:nvCxnSpPr>
         <p:spPr>
           <a:xfrm>
-            <a:off x="910091" y="3040053"/>
+            <a:off x="152400" y="3040053"/>
             <a:ext cx="419548" cy="2860"/>
           </a:xfrm>
           <a:prstGeom prst="bentConnector3">
@@ -3873,7 +3873,7 @@
         </p:nvCxnSpPr>
         <p:spPr>
           <a:xfrm flipV="1">
-            <a:off x="1849924" y="3040052"/>
+            <a:off x="1092233" y="3040052"/>
             <a:ext cx="216105" cy="1"/>
           </a:xfrm>
           <a:prstGeom prst="line">
@@ -3914,7 +3914,7 @@
         </p:nvSpPr>
         <p:spPr>
           <a:xfrm>
-            <a:off x="2420322" y="3239846"/>
+            <a:off x="1662631" y="3239846"/>
             <a:ext cx="236048" cy="173380"/>
           </a:xfrm>
           <a:prstGeom prst="flowChartDecision">
@@ -3968,7 +3968,7 @@
         </p:nvCxnSpPr>
         <p:spPr>
           <a:xfrm flipV="1">
-            <a:off x="4398041" y="3331820"/>
+            <a:off x="3640350" y="3331820"/>
             <a:ext cx="223324" cy="1"/>
           </a:xfrm>
           <a:prstGeom prst="bentConnector3">
@@ -4011,7 +4011,7 @@
         </p:nvSpPr>
         <p:spPr>
           <a:xfrm rot="5400000" flipV="1">
-            <a:off x="4175027" y="3244059"/>
+            <a:off x="3417336" y="3244059"/>
             <a:ext cx="270504" cy="175523"/>
           </a:xfrm>
           <a:prstGeom prst="triangle">
@@ -4062,15 +4062,16 @@
         <p:nvCxnSpPr>
           <p:cNvPr id="124" name="Elbow Connector 122"/>
           <p:cNvCxnSpPr>
-            <a:stCxn id="50" idx="3"/>
-            <a:endCxn id="66" idx="1"/>
+            <a:cxnSpLocks/>
+            <a:stCxn id="50" idx="2"/>
+            <a:endCxn id="66" idx="0"/>
           </p:cNvCxnSpPr>
           <p:nvPr/>
         </p:nvCxnSpPr>
         <p:spPr>
-          <a:xfrm>
-            <a:off x="5791200" y="3331820"/>
-            <a:ext cx="228600" cy="1970"/>
+          <a:xfrm rot="5400000">
+            <a:off x="4334292" y="3619500"/>
+            <a:ext cx="228600" cy="1"/>
           </a:xfrm>
           <a:prstGeom prst="bentConnector3">
             <a:avLst>
@@ -4112,7 +4113,7 @@
         </p:nvSpPr>
         <p:spPr>
           <a:xfrm>
-            <a:off x="4621365" y="3158440"/>
+            <a:off x="3863674" y="3158440"/>
             <a:ext cx="1169835" cy="346760"/>
           </a:xfrm>
           <a:prstGeom prst="rect">
@@ -4187,7 +4188,7 @@
         </p:nvSpPr>
         <p:spPr>
           <a:xfrm>
-            <a:off x="2873943" y="2558040"/>
+            <a:off x="2116252" y="2558040"/>
             <a:ext cx="1323049" cy="346760"/>
           </a:xfrm>
           <a:prstGeom prst="rect">
@@ -4268,7 +4269,7 @@
         </p:nvCxnSpPr>
         <p:spPr>
           <a:xfrm>
-            <a:off x="2653133" y="2726136"/>
+            <a:off x="1895442" y="2726136"/>
             <a:ext cx="220810" cy="5284"/>
           </a:xfrm>
           <a:prstGeom prst="straightConnector1">
@@ -4308,7 +4309,7 @@
         </p:nvSpPr>
         <p:spPr>
           <a:xfrm>
-            <a:off x="2417085" y="2639446"/>
+            <a:off x="1659394" y="2639446"/>
             <a:ext cx="236048" cy="173380"/>
           </a:xfrm>
           <a:prstGeom prst="flowChartDecision">
@@ -4362,7 +4363,7 @@
         </p:nvCxnSpPr>
         <p:spPr>
           <a:xfrm flipV="1">
-            <a:off x="4394804" y="2731420"/>
+            <a:off x="3637113" y="2731420"/>
             <a:ext cx="223324" cy="1"/>
           </a:xfrm>
           <a:prstGeom prst="bentConnector3">
@@ -4405,7 +4406,7 @@
         </p:nvSpPr>
         <p:spPr>
           <a:xfrm rot="5400000" flipV="1">
-            <a:off x="4171790" y="2643659"/>
+            <a:off x="3414099" y="2643659"/>
             <a:ext cx="270504" cy="175523"/>
           </a:xfrm>
           <a:prstGeom prst="triangle">
@@ -4460,7 +4461,7 @@
         </p:nvSpPr>
         <p:spPr>
           <a:xfrm>
-            <a:off x="4618128" y="2558040"/>
+            <a:off x="3860437" y="2558040"/>
             <a:ext cx="1093635" cy="346760"/>
           </a:xfrm>
           <a:prstGeom prst="rect">
@@ -4538,7 +4539,7 @@
         </p:nvSpPr>
         <p:spPr>
           <a:xfrm>
-            <a:off x="6019800" y="3160410"/>
+            <a:off x="3848237" y="3733800"/>
             <a:ext cx="1200707" cy="346760"/>
           </a:xfrm>
           <a:prstGeom prst="rect">
@@ -4605,19 +4606,132 @@
           </a:p>
         </p:txBody>
       </p:sp>
+      <p:sp>
+        <p:nvSpPr>
+          <p:cNvPr id="73" name="Rectangle 8"/>
+          <p:cNvSpPr/>
+          <p:nvPr/>
+        </p:nvSpPr>
+        <p:spPr>
+          <a:xfrm>
+            <a:off x="7624345" y="3599422"/>
+            <a:ext cx="1259718" cy="346760"/>
+          </a:xfrm>
+          <a:prstGeom prst="rect">
+            <a:avLst/>
+          </a:prstGeom>
+          <a:ln w="19050"/>
+          <a:effectLst/>
+        </p:spPr>
+        <p:style>
+          <a:lnRef idx="1">
+            <a:schemeClr val="accent6"/>
+          </a:lnRef>
+          <a:fillRef idx="2">
+            <a:schemeClr val="accent6"/>
+          </a:fillRef>
+          <a:effectRef idx="1">
+            <a:schemeClr val="accent6"/>
+          </a:effectRef>
+          <a:fontRef idx="minor">
+            <a:schemeClr val="dk1"/>
+          </a:fontRef>
+        </p:style>
+        <p:txBody>
+          <a:bodyPr rtlCol="0" anchor="ctr"/>
+          <a:lstStyle/>
+          <a:p>
+            <a:pPr algn="ctr"/>
+            <a:r>
+              <a:rPr lang="en-US" sz="1050" b="1" dirty="0" err="1">
+                <a:solidFill>
+                  <a:schemeClr val="accent6">
+                    <a:lumMod val="75000"/>
+                  </a:schemeClr>
+                </a:solidFill>
+              </a:rPr>
+              <a:t>XmlAdaptedTag</a:t>
+            </a:r>
+            <a:endParaRPr lang="en-SG" sz="1050" b="1" dirty="0">
+              <a:solidFill>
+                <a:schemeClr val="accent6">
+                  <a:lumMod val="75000"/>
+                </a:schemeClr>
+              </a:solidFill>
+            </a:endParaRPr>
+          </a:p>
+        </p:txBody>
+      </p:sp>
+      <p:sp>
+        <p:nvSpPr>
+          <p:cNvPr id="74" name="Rectangle 8"/>
+          <p:cNvSpPr/>
+          <p:nvPr/>
+        </p:nvSpPr>
+        <p:spPr>
+          <a:xfrm>
+            <a:off x="5678175" y="2853640"/>
+            <a:ext cx="1259718" cy="346760"/>
+          </a:xfrm>
+          <a:prstGeom prst="rect">
+            <a:avLst/>
+          </a:prstGeom>
+          <a:ln w="19050"/>
+          <a:effectLst/>
+        </p:spPr>
+        <p:style>
+          <a:lnRef idx="1">
+            <a:schemeClr val="accent6"/>
+          </a:lnRef>
+          <a:fillRef idx="2">
+            <a:schemeClr val="accent6"/>
+          </a:fillRef>
+          <a:effectRef idx="1">
+            <a:schemeClr val="accent6"/>
+          </a:effectRef>
+          <a:fontRef idx="minor">
+            <a:schemeClr val="dk1"/>
+          </a:fontRef>
+        </p:style>
+        <p:txBody>
+          <a:bodyPr rtlCol="0" anchor="ctr"/>
+          <a:lstStyle/>
+          <a:p>
+            <a:pPr algn="ctr"/>
+            <a:r>
+              <a:rPr lang="en-US" sz="1050" b="1" dirty="0" err="1">
+                <a:solidFill>
+                  <a:schemeClr val="accent6">
+                    <a:lumMod val="75000"/>
+                  </a:schemeClr>
+                </a:solidFill>
+              </a:rPr>
+              <a:t>XmlAdaptedPerson</a:t>
+            </a:r>
+            <a:endParaRPr lang="en-SG" sz="1050" b="1" dirty="0">
+              <a:solidFill>
+                <a:schemeClr val="accent6">
+                  <a:lumMod val="75000"/>
+                </a:schemeClr>
+              </a:solidFill>
+            </a:endParaRPr>
+          </a:p>
+        </p:txBody>
+      </p:sp>
       <p:cxnSp>
         <p:nvCxnSpPr>
-          <p:cNvPr id="70" name="Elbow Connector 122"/>
+          <p:cNvPr id="77" name="Elbow Connector 122"/>
           <p:cNvCxnSpPr>
-            <a:stCxn id="74" idx="0"/>
-            <a:endCxn id="73" idx="2"/>
+            <a:cxnSpLocks/>
+            <a:stCxn id="66" idx="3"/>
+            <a:endCxn id="74" idx="1"/>
           </p:cNvCxnSpPr>
           <p:nvPr/>
         </p:nvCxnSpPr>
         <p:spPr>
-          <a:xfrm rot="5400000" flipH="1" flipV="1">
-            <a:off x="8077993" y="2992020"/>
-            <a:ext cx="335208" cy="12700"/>
+          <a:xfrm flipV="1">
+            <a:off x="5048944" y="3027020"/>
+            <a:ext cx="629231" cy="880160"/>
           </a:xfrm>
           <a:prstGeom prst="bentConnector3">
             <a:avLst>
@@ -4648,14 +4762,20 @@
       </p:cxnSp>
       <p:sp>
         <p:nvSpPr>
-          <p:cNvPr id="73" name="Rectangle 8"/>
+          <p:cNvPr id="27" name="Rectangle 8">
+            <a:extLst>
+              <a:ext uri="{FF2B5EF4-FFF2-40B4-BE49-F238E27FC236}">
+                <a16:creationId xmlns:a16="http://schemas.microsoft.com/office/drawing/2014/main" id="{AB0E3A46-7F04-3B49-914D-F8B21B78D07B}"/>
+              </a:ext>
+            </a:extLst>
+          </p:cNvPr>
           <p:cNvSpPr/>
           <p:nvPr/>
         </p:nvSpPr>
         <p:spPr>
           <a:xfrm>
-            <a:off x="7615738" y="2477656"/>
-            <a:ext cx="1259718" cy="346760"/>
+            <a:off x="5678175" y="4318475"/>
+            <a:ext cx="1443492" cy="346760"/>
           </a:xfrm>
           <a:prstGeom prst="rect">
             <a:avLst/>
@@ -4690,7 +4810,7 @@
                   </a:schemeClr>
                 </a:solidFill>
               </a:rPr>
-              <a:t>XmlAdaptedTag</a:t>
+              <a:t>XmlAdaptedEpicEvent</a:t>
             </a:r>
             <a:endParaRPr lang="en-SG" sz="1050" b="1" dirty="0">
               <a:solidFill>
@@ -4704,14 +4824,20 @@
       </p:sp>
       <p:sp>
         <p:nvSpPr>
-          <p:cNvPr id="74" name="Rectangle 8"/>
+          <p:cNvPr id="30" name="Rectangle 8">
+            <a:extLst>
+              <a:ext uri="{FF2B5EF4-FFF2-40B4-BE49-F238E27FC236}">
+                <a16:creationId xmlns:a16="http://schemas.microsoft.com/office/drawing/2014/main" id="{E3BB6C46-CBAD-AA4D-8D96-07CCE306ED85}"/>
+              </a:ext>
+            </a:extLst>
+          </p:cNvPr>
           <p:cNvSpPr/>
           <p:nvPr/>
         </p:nvSpPr>
         <p:spPr>
           <a:xfrm>
-            <a:off x="7615738" y="3159624"/>
-            <a:ext cx="1259718" cy="346760"/>
+            <a:off x="5678175" y="3599422"/>
+            <a:ext cx="1555374" cy="346760"/>
           </a:xfrm>
           <a:prstGeom prst="rect">
             <a:avLst/>
@@ -4746,7 +4872,7 @@
                   </a:schemeClr>
                 </a:solidFill>
               </a:rPr>
-              <a:t>XmlAdaptedPerson</a:t>
+              <a:t>XmlAdaptedAttendance</a:t>
             </a:r>
             <a:endParaRPr lang="en-SG" sz="1050" b="1" dirty="0">
               <a:solidFill>
@@ -4760,22 +4886,214 @@
       </p:sp>
       <p:cxnSp>
         <p:nvCxnSpPr>
-          <p:cNvPr id="77" name="Elbow Connector 122"/>
+          <p:cNvPr id="43" name="Elbow Connector 122">
+            <a:extLst>
+              <a:ext uri="{FF2B5EF4-FFF2-40B4-BE49-F238E27FC236}">
+                <a16:creationId xmlns:a16="http://schemas.microsoft.com/office/drawing/2014/main" id="{82446CBB-84D8-8140-9F45-89D7DF4F2352}"/>
+              </a:ext>
+            </a:extLst>
+          </p:cNvPr>
           <p:cNvCxnSpPr>
+            <a:cxnSpLocks/>
             <a:stCxn id="66" idx="3"/>
-            <a:endCxn id="74" idx="1"/>
+            <a:endCxn id="27" idx="1"/>
           </p:cNvCxnSpPr>
           <p:nvPr/>
         </p:nvCxnSpPr>
         <p:spPr>
-          <a:xfrm flipV="1">
-            <a:off x="7220507" y="3333004"/>
-            <a:ext cx="395231" cy="786"/>
+          <a:xfrm>
+            <a:off x="5048944" y="3907180"/>
+            <a:ext cx="629231" cy="584675"/>
           </a:xfrm>
           <a:prstGeom prst="bentConnector3">
             <a:avLst>
               <a:gd name="adj1" fmla="val 50000"/>
             </a:avLst>
+          </a:prstGeom>
+          <a:ln w="19050">
+            <a:prstDash val="sysDot"/>
+            <a:headEnd type="none" w="med" len="med"/>
+            <a:tailEnd type="arrow" w="med" len="med"/>
+          </a:ln>
+          <a:effectLst/>
+        </p:spPr>
+        <p:style>
+          <a:lnRef idx="1">
+            <a:schemeClr val="accent6"/>
+          </a:lnRef>
+          <a:fillRef idx="2">
+            <a:schemeClr val="accent6"/>
+          </a:fillRef>
+          <a:effectRef idx="1">
+            <a:schemeClr val="accent6"/>
+          </a:effectRef>
+          <a:fontRef idx="minor">
+            <a:schemeClr val="dk1"/>
+          </a:fontRef>
+        </p:style>
+      </p:cxnSp>
+      <p:cxnSp>
+        <p:nvCxnSpPr>
+          <p:cNvPr id="48" name="Elbow Connector 122">
+            <a:extLst>
+              <a:ext uri="{FF2B5EF4-FFF2-40B4-BE49-F238E27FC236}">
+                <a16:creationId xmlns:a16="http://schemas.microsoft.com/office/drawing/2014/main" id="{DFA75325-DA40-1B45-B794-47FF7E108DFB}"/>
+              </a:ext>
+            </a:extLst>
+          </p:cNvPr>
+          <p:cNvCxnSpPr>
+            <a:cxnSpLocks/>
+            <a:stCxn id="27" idx="0"/>
+          </p:cNvCxnSpPr>
+          <p:nvPr/>
+        </p:nvCxnSpPr>
+        <p:spPr>
+          <a:xfrm rot="5400000" flipH="1" flipV="1">
+            <a:off x="6213775" y="4132329"/>
+            <a:ext cx="372293" cy="1"/>
+          </a:xfrm>
+          <a:prstGeom prst="bentConnector3">
+            <a:avLst>
+              <a:gd name="adj1" fmla="val 50000"/>
+            </a:avLst>
+          </a:prstGeom>
+          <a:ln w="19050">
+            <a:prstDash val="sysDot"/>
+            <a:headEnd type="none" w="med" len="med"/>
+            <a:tailEnd type="arrow" w="med" len="med"/>
+          </a:ln>
+          <a:effectLst/>
+        </p:spPr>
+        <p:style>
+          <a:lnRef idx="1">
+            <a:schemeClr val="accent6"/>
+          </a:lnRef>
+          <a:fillRef idx="2">
+            <a:schemeClr val="accent6"/>
+          </a:fillRef>
+          <a:effectRef idx="1">
+            <a:schemeClr val="accent6"/>
+          </a:effectRef>
+          <a:fontRef idx="minor">
+            <a:schemeClr val="dk1"/>
+          </a:fontRef>
+        </p:style>
+      </p:cxnSp>
+      <p:cxnSp>
+        <p:nvCxnSpPr>
+          <p:cNvPr id="57" name="Elbow Connector 122">
+            <a:extLst>
+              <a:ext uri="{FF2B5EF4-FFF2-40B4-BE49-F238E27FC236}">
+                <a16:creationId xmlns:a16="http://schemas.microsoft.com/office/drawing/2014/main" id="{193359F8-B4AF-7243-816C-46A8C4810E77}"/>
+              </a:ext>
+            </a:extLst>
+          </p:cNvPr>
+          <p:cNvCxnSpPr>
+            <a:cxnSpLocks/>
+          </p:cNvCxnSpPr>
+          <p:nvPr/>
+        </p:nvCxnSpPr>
+        <p:spPr>
+          <a:xfrm rot="5400000" flipH="1" flipV="1">
+            <a:off x="6214654" y="3386546"/>
+            <a:ext cx="372293" cy="1"/>
+          </a:xfrm>
+          <a:prstGeom prst="bentConnector3">
+            <a:avLst>
+              <a:gd name="adj1" fmla="val 50000"/>
+            </a:avLst>
+          </a:prstGeom>
+          <a:ln w="19050">
+            <a:prstDash val="sysDot"/>
+            <a:headEnd type="none" w="med" len="med"/>
+            <a:tailEnd type="arrow" w="med" len="med"/>
+          </a:ln>
+          <a:effectLst/>
+        </p:spPr>
+        <p:style>
+          <a:lnRef idx="1">
+            <a:schemeClr val="accent6"/>
+          </a:lnRef>
+          <a:fillRef idx="2">
+            <a:schemeClr val="accent6"/>
+          </a:fillRef>
+          <a:effectRef idx="1">
+            <a:schemeClr val="accent6"/>
+          </a:effectRef>
+          <a:fontRef idx="minor">
+            <a:schemeClr val="dk1"/>
+          </a:fontRef>
+        </p:style>
+      </p:cxnSp>
+      <p:cxnSp>
+        <p:nvCxnSpPr>
+          <p:cNvPr id="59" name="Elbow Connector 122">
+            <a:extLst>
+              <a:ext uri="{FF2B5EF4-FFF2-40B4-BE49-F238E27FC236}">
+                <a16:creationId xmlns:a16="http://schemas.microsoft.com/office/drawing/2014/main" id="{852F76B4-8C92-4948-8BB0-0BD7A269582F}"/>
+              </a:ext>
+            </a:extLst>
+          </p:cNvPr>
+          <p:cNvCxnSpPr>
+            <a:cxnSpLocks/>
+            <a:stCxn id="74" idx="3"/>
+            <a:endCxn id="73" idx="0"/>
+          </p:cNvCxnSpPr>
+          <p:nvPr/>
+        </p:nvCxnSpPr>
+        <p:spPr>
+          <a:xfrm>
+            <a:off x="6937893" y="3027020"/>
+            <a:ext cx="1316311" cy="572402"/>
+          </a:xfrm>
+          <a:prstGeom prst="bentConnector2">
+            <a:avLst/>
+          </a:prstGeom>
+          <a:ln w="19050">
+            <a:prstDash val="sysDot"/>
+            <a:headEnd type="none" w="med" len="med"/>
+            <a:tailEnd type="arrow" w="med" len="med"/>
+          </a:ln>
+          <a:effectLst/>
+        </p:spPr>
+        <p:style>
+          <a:lnRef idx="1">
+            <a:schemeClr val="accent6"/>
+          </a:lnRef>
+          <a:fillRef idx="2">
+            <a:schemeClr val="accent6"/>
+          </a:fillRef>
+          <a:effectRef idx="1">
+            <a:schemeClr val="accent6"/>
+          </a:effectRef>
+          <a:fontRef idx="minor">
+            <a:schemeClr val="dk1"/>
+          </a:fontRef>
+        </p:style>
+      </p:cxnSp>
+      <p:cxnSp>
+        <p:nvCxnSpPr>
+          <p:cNvPr id="62" name="Elbow Connector 122">
+            <a:extLst>
+              <a:ext uri="{FF2B5EF4-FFF2-40B4-BE49-F238E27FC236}">
+                <a16:creationId xmlns:a16="http://schemas.microsoft.com/office/drawing/2014/main" id="{ADFD5EC8-7BAD-274C-9580-E92921B6AA4D}"/>
+              </a:ext>
+            </a:extLst>
+          </p:cNvPr>
+          <p:cNvCxnSpPr>
+            <a:cxnSpLocks/>
+            <a:stCxn id="27" idx="3"/>
+            <a:endCxn id="73" idx="2"/>
+          </p:cNvCxnSpPr>
+          <p:nvPr/>
+        </p:nvCxnSpPr>
+        <p:spPr>
+          <a:xfrm flipV="1">
+            <a:off x="7121667" y="3946182"/>
+            <a:ext cx="1132537" cy="545673"/>
+          </a:xfrm>
+          <a:prstGeom prst="bentConnector2">
+            <a:avLst/>
           </a:prstGeom>
           <a:ln w="19050">
             <a:prstDash val="sysDot"/>
